--- a/micromass/20190611 Spectra from Bacteria Strains.pptx
+++ b/micromass/20190611 Spectra from Bacteria Strains.pptx
@@ -3237,6 +3237,36 @@
           </a:prstGeom>
         </p:spPr>
       </p:pic>
+      <p:sp>
+        <p:nvSpPr>
+          <p:cNvPr id="3" name="TextBox 2"/>
+          <p:cNvSpPr txBox="1"/>
+          <p:nvPr/>
+        </p:nvSpPr>
+        <p:spPr>
+          <a:xfrm>
+            <a:off x="3937000" y="2638778"/>
+            <a:ext cx="3946626" cy="369332"/>
+          </a:xfrm>
+          <a:prstGeom prst="rect">
+            <a:avLst/>
+          </a:prstGeom>
+          <a:noFill/>
+        </p:spPr>
+        <p:txBody>
+          <a:bodyPr wrap="none" rtlCol="0">
+            <a:spAutoFit/>
+          </a:bodyPr>
+          <a:lstStyle/>
+          <a:p>
+            <a:r>
+              <a:rPr lang="en-US" dirty="0" smtClean="0"/>
+              <a:t>Three different spectra that look unique</a:t>
+            </a:r>
+            <a:endParaRPr lang="en-US" dirty="0"/>
+          </a:p>
+        </p:txBody>
+      </p:sp>
     </p:spTree>
     <p:extLst>
       <p:ext uri="{BB962C8B-B14F-4D97-AF65-F5344CB8AC3E}">
@@ -3320,6 +3350,36 @@
           </a:prstGeom>
         </p:spPr>
       </p:pic>
+      <p:sp>
+        <p:nvSpPr>
+          <p:cNvPr id="5" name="TextBox 4"/>
+          <p:cNvSpPr txBox="1"/>
+          <p:nvPr/>
+        </p:nvSpPr>
+        <p:spPr>
+          <a:xfrm>
+            <a:off x="5334000" y="2315612"/>
+            <a:ext cx="2549626" cy="646331"/>
+          </a:xfrm>
+          <a:prstGeom prst="rect">
+            <a:avLst/>
+          </a:prstGeom>
+          <a:noFill/>
+        </p:spPr>
+        <p:txBody>
+          <a:bodyPr wrap="square" rtlCol="0">
+            <a:spAutoFit/>
+          </a:bodyPr>
+          <a:lstStyle/>
+          <a:p>
+            <a:r>
+              <a:rPr lang="en-US" dirty="0" smtClean="0"/>
+              <a:t>More peaks for each spectra</a:t>
+            </a:r>
+            <a:endParaRPr lang="en-US" dirty="0"/>
+          </a:p>
+        </p:txBody>
+      </p:sp>
     </p:spTree>
     <p:extLst>
       <p:ext uri="{BB962C8B-B14F-4D97-AF65-F5344CB8AC3E}">
@@ -3405,6 +3465,36 @@
           </a:prstGeom>
         </p:spPr>
       </p:pic>
+      <p:sp>
+        <p:nvSpPr>
+          <p:cNvPr id="5" name="TextBox 4"/>
+          <p:cNvSpPr txBox="1"/>
+          <p:nvPr/>
+        </p:nvSpPr>
+        <p:spPr>
+          <a:xfrm>
+            <a:off x="5334000" y="2315612"/>
+            <a:ext cx="2549626" cy="1477328"/>
+          </a:xfrm>
+          <a:prstGeom prst="rect">
+            <a:avLst/>
+          </a:prstGeom>
+          <a:noFill/>
+        </p:spPr>
+        <p:txBody>
+          <a:bodyPr wrap="square" rtlCol="0">
+            <a:spAutoFit/>
+          </a:bodyPr>
+          <a:lstStyle/>
+          <a:p>
+            <a:r>
+              <a:rPr lang="en-US" dirty="0" smtClean="0"/>
+              <a:t>There doesn’t appear to be much overlap.  There is even some overlap from the two pure spectra</a:t>
+            </a:r>
+            <a:endParaRPr lang="en-US" dirty="0"/>
+          </a:p>
+        </p:txBody>
+      </p:sp>
     </p:spTree>
     <p:extLst>
       <p:ext uri="{BB962C8B-B14F-4D97-AF65-F5344CB8AC3E}">
@@ -3490,6 +3580,36 @@
           </a:prstGeom>
         </p:spPr>
       </p:pic>
+      <p:sp>
+        <p:nvSpPr>
+          <p:cNvPr id="5" name="TextBox 4"/>
+          <p:cNvSpPr txBox="1"/>
+          <p:nvPr/>
+        </p:nvSpPr>
+        <p:spPr>
+          <a:xfrm>
+            <a:off x="1792111" y="2103945"/>
+            <a:ext cx="2549626" cy="1477328"/>
+          </a:xfrm>
+          <a:prstGeom prst="rect">
+            <a:avLst/>
+          </a:prstGeom>
+          <a:noFill/>
+        </p:spPr>
+        <p:txBody>
+          <a:bodyPr wrap="square" rtlCol="0">
+            <a:spAutoFit/>
+          </a:bodyPr>
+          <a:lstStyle/>
+          <a:p>
+            <a:r>
+              <a:rPr lang="en-US" dirty="0" smtClean="0"/>
+              <a:t>There doesn’t appear to be much overlap again.  The sample from one spectrum is not included in the mixed spectrum</a:t>
+            </a:r>
+            <a:endParaRPr lang="en-US" dirty="0"/>
+          </a:p>
+        </p:txBody>
+      </p:sp>
     </p:spTree>
     <p:extLst>
       <p:ext uri="{BB962C8B-B14F-4D97-AF65-F5344CB8AC3E}">
